--- a/MuhammadIkhwanPerwira.pptx
+++ b/MuhammadIkhwanPerwira.pptx
@@ -213,7 +213,7 @@
           <a:p>
             <a:fld id="{7E11B3DB-0600-454D-8104-A50ACCC25414}" type="datetimeFigureOut">
               <a:rPr lang="en-ID" smtClean="0"/>
-              <a:t>17/03/2022</a:t>
+              <a:t>24/03/2022</a:t>
             </a:fld>
             <a:endParaRPr lang="en-ID"/>
           </a:p>
@@ -630,7 +630,7 @@
           <a:p>
             <a:fld id="{BC6AE4EB-59EC-42DB-90FA-ED2154F66E83}" type="datetimeFigureOut">
               <a:rPr lang="en-ID" smtClean="0"/>
-              <a:t>17/03/2022</a:t>
+              <a:t>24/03/2022</a:t>
             </a:fld>
             <a:endParaRPr lang="en-ID"/>
           </a:p>
@@ -830,7 +830,7 @@
           <a:p>
             <a:fld id="{BC6AE4EB-59EC-42DB-90FA-ED2154F66E83}" type="datetimeFigureOut">
               <a:rPr lang="en-ID" smtClean="0"/>
-              <a:t>17/03/2022</a:t>
+              <a:t>24/03/2022</a:t>
             </a:fld>
             <a:endParaRPr lang="en-ID"/>
           </a:p>
@@ -1040,7 +1040,7 @@
           <a:p>
             <a:fld id="{BC6AE4EB-59EC-42DB-90FA-ED2154F66E83}" type="datetimeFigureOut">
               <a:rPr lang="en-ID" smtClean="0"/>
-              <a:t>17/03/2022</a:t>
+              <a:t>24/03/2022</a:t>
             </a:fld>
             <a:endParaRPr lang="en-ID"/>
           </a:p>
@@ -1240,7 +1240,7 @@
           <a:p>
             <a:fld id="{BC6AE4EB-59EC-42DB-90FA-ED2154F66E83}" type="datetimeFigureOut">
               <a:rPr lang="en-ID" smtClean="0"/>
-              <a:t>17/03/2022</a:t>
+              <a:t>24/03/2022</a:t>
             </a:fld>
             <a:endParaRPr lang="en-ID"/>
           </a:p>
@@ -1516,7 +1516,7 @@
           <a:p>
             <a:fld id="{BC6AE4EB-59EC-42DB-90FA-ED2154F66E83}" type="datetimeFigureOut">
               <a:rPr lang="en-ID" smtClean="0"/>
-              <a:t>17/03/2022</a:t>
+              <a:t>24/03/2022</a:t>
             </a:fld>
             <a:endParaRPr lang="en-ID"/>
           </a:p>
@@ -1784,7 +1784,7 @@
           <a:p>
             <a:fld id="{BC6AE4EB-59EC-42DB-90FA-ED2154F66E83}" type="datetimeFigureOut">
               <a:rPr lang="en-ID" smtClean="0"/>
-              <a:t>17/03/2022</a:t>
+              <a:t>24/03/2022</a:t>
             </a:fld>
             <a:endParaRPr lang="en-ID"/>
           </a:p>
@@ -2199,7 +2199,7 @@
           <a:p>
             <a:fld id="{BC6AE4EB-59EC-42DB-90FA-ED2154F66E83}" type="datetimeFigureOut">
               <a:rPr lang="en-ID" smtClean="0"/>
-              <a:t>17/03/2022</a:t>
+              <a:t>24/03/2022</a:t>
             </a:fld>
             <a:endParaRPr lang="en-ID"/>
           </a:p>
@@ -2341,7 +2341,7 @@
           <a:p>
             <a:fld id="{BC6AE4EB-59EC-42DB-90FA-ED2154F66E83}" type="datetimeFigureOut">
               <a:rPr lang="en-ID" smtClean="0"/>
-              <a:t>17/03/2022</a:t>
+              <a:t>24/03/2022</a:t>
             </a:fld>
             <a:endParaRPr lang="en-ID"/>
           </a:p>
@@ -2454,7 +2454,7 @@
           <a:p>
             <a:fld id="{BC6AE4EB-59EC-42DB-90FA-ED2154F66E83}" type="datetimeFigureOut">
               <a:rPr lang="en-ID" smtClean="0"/>
-              <a:t>17/03/2022</a:t>
+              <a:t>24/03/2022</a:t>
             </a:fld>
             <a:endParaRPr lang="en-ID"/>
           </a:p>
@@ -2767,7 +2767,7 @@
           <a:p>
             <a:fld id="{BC6AE4EB-59EC-42DB-90FA-ED2154F66E83}" type="datetimeFigureOut">
               <a:rPr lang="en-ID" smtClean="0"/>
-              <a:t>17/03/2022</a:t>
+              <a:t>24/03/2022</a:t>
             </a:fld>
             <a:endParaRPr lang="en-ID"/>
           </a:p>
@@ -3056,7 +3056,7 @@
           <a:p>
             <a:fld id="{BC6AE4EB-59EC-42DB-90FA-ED2154F66E83}" type="datetimeFigureOut">
               <a:rPr lang="en-ID" smtClean="0"/>
-              <a:t>17/03/2022</a:t>
+              <a:t>24/03/2022</a:t>
             </a:fld>
             <a:endParaRPr lang="en-ID"/>
           </a:p>
@@ -3299,7 +3299,7 @@
           <a:p>
             <a:fld id="{BC6AE4EB-59EC-42DB-90FA-ED2154F66E83}" type="datetimeFigureOut">
               <a:rPr lang="en-ID" smtClean="0"/>
-              <a:t>17/03/2022</a:t>
+              <a:t>24/03/2022</a:t>
             </a:fld>
             <a:endParaRPr lang="en-ID"/>
           </a:p>
@@ -4272,6 +4272,53 @@
               <a:rPr lang="en-US" dirty="0"/>
               <a:t>.</a:t>
             </a:r>
+          </a:p>
+          <a:p>
+            <a:pPr algn="just"/>
+            <a:r>
+              <a:rPr lang="en-US" dirty="0" err="1"/>
+              <a:t>Tahap</a:t>
+            </a:r>
+            <a:r>
+              <a:rPr lang="en-US" dirty="0"/>
+              <a:t> </a:t>
+            </a:r>
+            <a:r>
+              <a:rPr lang="en-US" dirty="0" err="1"/>
+              <a:t>untuk</a:t>
+            </a:r>
+            <a:r>
+              <a:rPr lang="en-US" dirty="0"/>
+              <a:t> </a:t>
+            </a:r>
+            <a:r>
+              <a:rPr lang="en-US" dirty="0" err="1"/>
+              <a:t>melakukan</a:t>
+            </a:r>
+            <a:r>
+              <a:rPr lang="en-US" dirty="0"/>
+              <a:t> </a:t>
+            </a:r>
+            <a:r>
+              <a:rPr lang="en-US" dirty="0" err="1"/>
+              <a:t>penilaian</a:t>
+            </a:r>
+            <a:r>
+              <a:rPr lang="en-US" dirty="0"/>
+              <a:t> QoS </a:t>
+            </a:r>
+            <a:r>
+              <a:rPr lang="en-US" dirty="0" err="1"/>
+              <a:t>adalah</a:t>
+            </a:r>
+            <a:r>
+              <a:rPr lang="en-US" dirty="0"/>
+              <a:t> Capturing, Filtering</a:t>
+            </a:r>
+            <a:r>
+              <a:rPr lang="en-US"/>
+              <a:t>, Analysis.</a:t>
+            </a:r>
             <a:endParaRPr lang="en-ID" dirty="0"/>
           </a:p>
         </p:txBody>
@@ -5050,7 +5097,7 @@
           <a:graphicData uri="http://schemas.openxmlformats.org/presentationml/2006/ole">
             <mc:AlternateContent xmlns:mc="http://schemas.openxmlformats.org/markup-compatibility/2006">
               <mc:Choice xmlns:v="urn:schemas-microsoft-com:vml" Requires="v">
-                <p:oleObj spid="_x0000_s2057" name="Bitmap Image" r:id="rId3" imgW="5057640" imgH="1733400" progId="Paint.Picture">
+                <p:oleObj spid="_x0000_s2058" name="Bitmap Image" r:id="rId3" imgW="5057640" imgH="1733400" progId="Paint.Picture">
                   <p:embed/>
                 </p:oleObj>
               </mc:Choice>
@@ -5363,7 +5410,7 @@
           <a:graphicData uri="http://schemas.openxmlformats.org/presentationml/2006/ole">
             <mc:AlternateContent xmlns:mc="http://schemas.openxmlformats.org/markup-compatibility/2006">
               <mc:Choice xmlns:v="urn:schemas-microsoft-com:vml" Requires="v">
-                <p:oleObj spid="_x0000_s3075" name="Bitmap Image" r:id="rId3" imgW="5057640" imgH="1971720" progId="Paint.Picture">
+                <p:oleObj spid="_x0000_s3076" name="Bitmap Image" r:id="rId3" imgW="5057640" imgH="1971720" progId="Paint.Picture">
                   <p:embed/>
                 </p:oleObj>
               </mc:Choice>
@@ -5456,7 +5503,7 @@
           <a:graphicData uri="http://schemas.openxmlformats.org/presentationml/2006/ole">
             <mc:AlternateContent xmlns:mc="http://schemas.openxmlformats.org/markup-compatibility/2006">
               <mc:Choice xmlns:v="urn:schemas-microsoft-com:vml" Requires="v">
-                <p:oleObj spid="_x0000_s4099" name="Bitmap Image" r:id="rId3" imgW="5067360" imgH="1971720" progId="Paint.Picture">
+                <p:oleObj spid="_x0000_s4100" name="Bitmap Image" r:id="rId3" imgW="5067360" imgH="1971720" progId="Paint.Picture">
                   <p:embed/>
                 </p:oleObj>
               </mc:Choice>
